--- a/CalendarApp_Development_Journey.pptx
+++ b/CalendarApp_Development_Journey.pptx
@@ -24,6 +24,10 @@
     <p:sldId id="272" r:id="rId23"/>
     <p:sldId id="273" r:id="rId24"/>
     <p:sldId id="274" r:id="rId25"/>
+    <p:sldId id="275" r:id="rId26"/>
+    <p:sldId id="276" r:id="rId27"/>
+    <p:sldId id="277" r:id="rId28"/>
+    <p:sldId id="278" r:id="rId29"/>
   </p:sldIdLst>
   <p:sldSz cx="9144000" cy="6858000" type="screen4x3"/>
   <p:notesSz cx="6858000" cy="9144000"/>
@@ -3565,7 +3569,7 @@
           <a:lstStyle/>
           <a:p>
             <a:r>
-              <a:t>Project Structure</a:t>
+              <a:t>Iteration 9: Frontend/Backend Separation</a:t>
             </a:r>
           </a:p>
         </p:txBody>
@@ -3586,37 +3590,55 @@
           <a:lstStyle/>
           <a:p>
             <a:r>
-              <a:t>Key Folders and Files:</a:t>
-            </a:r>
-          </a:p>
-          <a:p>
-            <a:pPr lvl="1"/>
-            <a:r>
-              <a:t>Models/: User, CalendarEvent, EventAttendee, ResponseStatus</a:t>
-            </a:r>
-          </a:p>
-          <a:p>
-            <a:pPr lvl="1"/>
-            <a:r>
-              <a:t>ViewModels/: MonthCalendar, WeekCalendar, DayCalendar, CreateEvent, EventDetails</a:t>
-            </a:r>
-          </a:p>
-          <a:p>
-            <a:pPr lvl="1"/>
-            <a:r>
-              <a:t>Data/: ApplicationDbContext, DbInitializer</a:t>
-            </a:r>
-          </a:p>
-          <a:p>
-            <a:pPr lvl="1"/>
-            <a:r>
-              <a:t>Pages/: Index, Users (CRUD), Calendar (Month/Week/Day/CreateEvent/EventDetails)</a:t>
-            </a:r>
-          </a:p>
-          <a:p>
-            <a:pPr lvl="1"/>
-            <a:r>
-              <a:t>wwwroot/css/: calendar.css for custom styling</a:t>
+              <a:t>User Request:</a:t>
+            </a:r>
+          </a:p>
+          <a:p>
+            <a:pPr lvl="1"/>
+            <a:r>
+              <a:t>"Rebuild this application. Separate all calls into a front end and a back end API."</a:t>
+            </a:r>
+          </a:p>
+          <a:p>
+            <a:pPr/>
+            <a:r>
+              <a:t>Implementation:</a:t>
+            </a:r>
+          </a:p>
+          <a:p>
+            <a:pPr lvl="1"/>
+            <a:r>
+              <a:t>Created solution with two projects: CalendarManagement.API and CalendarManagement.Web</a:t>
+            </a:r>
+          </a:p>
+          <a:p>
+            <a:pPr lvl="1"/>
+            <a:r>
+              <a:t>API: ASP.NET Core with Controllers, EF Core, SQLite, and Swagger</a:t>
+            </a:r>
+          </a:p>
+          <a:p>
+            <a:pPr lvl="1"/>
+            <a:r>
+              <a:t>Web: ASP.NET Core Razor Pages calling API via HttpClient</a:t>
+            </a:r>
+          </a:p>
+          <a:p>
+            <a:pPr lvl="1"/>
+            <a:r>
+              <a:t>CalendarApiClient service for centralized API communication</a:t>
+            </a:r>
+          </a:p>
+          <a:p>
+            <a:pPr lvl="1"/>
+            <a:r>
+              <a:t>CORS configuration to allow cross-origin requests</a:t>
+            </a:r>
+          </a:p>
+          <a:p>
+            <a:pPr lvl="1"/>
+            <a:r>
+              <a:t>Separation of concerns: API handles data, Web handles presentation</a:t>
             </a:r>
           </a:p>
         </p:txBody>
@@ -3655,7 +3677,7 @@
           <a:lstStyle/>
           <a:p>
             <a:r>
-              <a:t>Final Application Features</a:t>
+              <a:t>New Solution Architecture</a:t>
             </a:r>
           </a:p>
         </p:txBody>
@@ -3676,61 +3698,68 @@
           <a:lstStyle/>
           <a:p>
             <a:r>
-              <a:t>What the Application Can Do:</a:t>
-            </a:r>
-          </a:p>
-          <a:p>
-            <a:pPr lvl="1"/>
-            <a:r>
-              <a:t>View calendar in three formats: Month, Week, Day</a:t>
-            </a:r>
-          </a:p>
-          <a:p>
-            <a:pPr lvl="1"/>
-            <a:r>
-              <a:t>Navigate between time periods with arrow buttons</a:t>
-            </a:r>
-          </a:p>
-          <a:p>
-            <a:pPr lvl="1"/>
-            <a:r>
-              <a:t>Click anywhere on a day/timeslot to create events</a:t>
-            </a:r>
-          </a:p>
-          <a:p>
-            <a:pPr lvl="1"/>
-            <a:r>
-              <a:t>Create events with title, description, location, date/time</a:t>
-            </a:r>
-          </a:p>
-          <a:p>
-            <a:pPr lvl="1"/>
-            <a:r>
-              <a:t>Invite multiple users to events</a:t>
-            </a:r>
-          </a:p>
-          <a:p>
-            <a:pPr lvl="1"/>
-            <a:r>
-              <a:t>Track attendee response status (Pending/Accepted/Declined/Tentative)</a:t>
-            </a:r>
-          </a:p>
-          <a:p>
-            <a:pPr lvl="1"/>
-            <a:r>
-              <a:t>Manage users (Create, Read, Update, Delete)</a:t>
-            </a:r>
-          </a:p>
-          <a:p>
-            <a:pPr lvl="1"/>
-            <a:r>
-              <a:t>View event details with attendee list</a:t>
-            </a:r>
-          </a:p>
-          <a:p>
-            <a:pPr lvl="1"/>
-            <a:r>
-              <a:t>Edit and delete events</a:t>
+              <a:t>Two-Project Structure:</a:t>
+            </a:r>
+          </a:p>
+          <a:p>
+            <a:pPr/>
+            <a:r>
+              <a:t>CalendarManagement.API (Backend):</a:t>
+            </a:r>
+          </a:p>
+          <a:p>
+            <a:pPr lvl="1"/>
+            <a:r>
+              <a:t>  - Models, Data, Controllers</a:t>
+            </a:r>
+          </a:p>
+          <a:p>
+            <a:pPr lvl="1"/>
+            <a:r>
+              <a:t>  - Entity Framework Core + SQLite</a:t>
+            </a:r>
+          </a:p>
+          <a:p>
+            <a:pPr lvl="1"/>
+            <a:r>
+              <a:t>  - RESTful API endpoints</a:t>
+            </a:r>
+          </a:p>
+          <a:p>
+            <a:pPr lvl="1"/>
+            <a:r>
+              <a:t>  - Swagger/OpenAPI documentation</a:t>
+            </a:r>
+          </a:p>
+          <a:p/>
+          <a:p>
+            <a:pPr/>
+            <a:r>
+              <a:t>CalendarManagement.Web (Frontend):</a:t>
+            </a:r>
+          </a:p>
+          <a:p>
+            <a:pPr lvl="1"/>
+            <a:r>
+              <a:t>  - Razor Pages, ViewModels</a:t>
+            </a:r>
+          </a:p>
+          <a:p>
+            <a:pPr lvl="1"/>
+            <a:r>
+              <a:t>  - CalendarApiClient service</a:t>
+            </a:r>
+          </a:p>
+          <a:p>
+            <a:pPr lvl="1"/>
+            <a:r>
+              <a:t>  - HttpClient for API communication</a:t>
+            </a:r>
+          </a:p>
+          <a:p>
+            <a:pPr lvl="1"/>
+            <a:r>
+              <a:t>  - No direct database access</a:t>
             </a:r>
           </a:p>
         </p:txBody>
@@ -3769,7 +3798,7 @@
           <a:lstStyle/>
           <a:p>
             <a:r>
-              <a:t>Technical Highlights</a:t>
+              <a:t>Project Structure</a:t>
             </a:r>
           </a:p>
         </p:txBody>
@@ -3790,55 +3819,31 @@
           <a:lstStyle/>
           <a:p>
             <a:r>
-              <a:t>Notable Implementation Details:</a:t>
-            </a:r>
-          </a:p>
-          <a:p>
-            <a:pPr lvl="1"/>
-            <a:r>
-              <a:t>Entity Framework Core with SQLite for lightweight data storage</a:t>
-            </a:r>
-          </a:p>
-          <a:p>
-            <a:pPr lvl="1"/>
-            <a:r>
-              <a:t>Razor Pages architecture for cleaner separation of concerns</a:t>
-            </a:r>
-          </a:p>
-          <a:p>
-            <a:pPr lvl="1"/>
-            <a:r>
-              <a:t>Client-side JavaScript for interactive calendar cells</a:t>
-            </a:r>
-          </a:p>
-          <a:p>
-            <a:pPr lvl="1"/>
-            <a:r>
-              <a:t>event.stopPropagation() to prevent conflicting click handlers</a:t>
-            </a:r>
-          </a:p>
-          <a:p>
-            <a:pPr lvl="1"/>
-            <a:r>
-              <a:t>Bootstrap utility classes for responsive layout</a:t>
-            </a:r>
-          </a:p>
-          <a:p>
-            <a:pPr lvl="1"/>
-            <a:r>
-              <a:t>Custom CSS for calendar-specific styling and hover effects</a:t>
-            </a:r>
-          </a:p>
-          <a:p>
-            <a:pPr lvl="1"/>
-            <a:r>
-              <a:t>ViewModels for complex data binding scenarios</a:t>
-            </a:r>
-          </a:p>
-          <a:p>
-            <a:pPr lvl="1"/>
-            <a:r>
-              <a:t>Route parameters for deep linking to specific dates</a:t>
+              <a:t>Key Folders and Files:</a:t>
+            </a:r>
+          </a:p>
+          <a:p>
+            <a:pPr lvl="1"/>
+            <a:r>
+              <a:t>API: Models, Data (DbContext, DbInitializer), Controllers (Users, CalendarEvents)</a:t>
+            </a:r>
+          </a:p>
+          <a:p>
+            <a:pPr lvl="1"/>
+            <a:r>
+              <a:t>Web: Models (DTOs), ViewModels, Services (CalendarApiClient), Pages (Razor)</a:t>
+            </a:r>
+          </a:p>
+          <a:p>
+            <a:pPr lvl="1"/>
+            <a:r>
+              <a:t>Shared: wwwroot/css for styling</a:t>
+            </a:r>
+          </a:p>
+          <a:p>
+            <a:pPr lvl="1"/>
+            <a:r>
+              <a:t>Configuration: appsettings.json in both projects</a:t>
             </a:r>
           </a:p>
         </p:txBody>
@@ -3877,7 +3882,7 @@
           <a:lstStyle/>
           <a:p>
             <a:r>
-              <a:t>Development Insights</a:t>
+              <a:t>Final Application Features</a:t>
             </a:r>
           </a:p>
         </p:txBody>
@@ -3898,55 +3903,61 @@
           <a:lstStyle/>
           <a:p>
             <a:r>
-              <a:t>Key Takeaways:</a:t>
-            </a:r>
-          </a:p>
-          <a:p>
-            <a:pPr lvl="1"/>
-            <a:r>
-              <a:t>Iterative development allows for rapid evolution</a:t>
-            </a:r>
-          </a:p>
-          <a:p>
-            <a:pPr lvl="1"/>
-            <a:r>
-              <a:t>User feedback drives feature refinement</a:t>
-            </a:r>
-          </a:p>
-          <a:p>
-            <a:pPr lvl="1"/>
-            <a:r>
-              <a:t>Architecture changes (MVC → Razor Pages) can be done incrementally</a:t>
-            </a:r>
-          </a:p>
-          <a:p>
-            <a:pPr lvl="1"/>
-            <a:r>
-              <a:t>Small UX improvements (clickable areas, icons) have big impact</a:t>
-            </a:r>
-          </a:p>
-          <a:p>
-            <a:pPr lvl="1"/>
-            <a:r>
-              <a:t>Starting with empty database is better for production readiness</a:t>
-            </a:r>
-          </a:p>
-          <a:p>
-            <a:pPr lvl="1"/>
-            <a:r>
-              <a:t>Interactive elements require careful event handling</a:t>
-            </a:r>
-          </a:p>
-          <a:p>
-            <a:pPr lvl="1"/>
-            <a:r>
-              <a:t>Visual cues (arrows, hover effects) improve usability</a:t>
-            </a:r>
-          </a:p>
-          <a:p>
-            <a:pPr lvl="1"/>
-            <a:r>
-              <a:t>Git branching enables safe experimentation with UI changes</a:t>
+              <a:t>What the Application Can Do:</a:t>
+            </a:r>
+          </a:p>
+          <a:p>
+            <a:pPr lvl="1"/>
+            <a:r>
+              <a:t>View calendar in three formats: Month, Week, Day</a:t>
+            </a:r>
+          </a:p>
+          <a:p>
+            <a:pPr lvl="1"/>
+            <a:r>
+              <a:t>Navigate between time periods with arrow buttons</a:t>
+            </a:r>
+          </a:p>
+          <a:p>
+            <a:pPr lvl="1"/>
+            <a:r>
+              <a:t>Click anywhere on a day/timeslot to create events</a:t>
+            </a:r>
+          </a:p>
+          <a:p>
+            <a:pPr lvl="1"/>
+            <a:r>
+              <a:t>Create events with title, description, location, date/time</a:t>
+            </a:r>
+          </a:p>
+          <a:p>
+            <a:pPr lvl="1"/>
+            <a:r>
+              <a:t>Invite multiple users to events</a:t>
+            </a:r>
+          </a:p>
+          <a:p>
+            <a:pPr lvl="1"/>
+            <a:r>
+              <a:t>Track attendee response status (Pending/Accepted/Declined/Tentative)</a:t>
+            </a:r>
+          </a:p>
+          <a:p>
+            <a:pPr lvl="1"/>
+            <a:r>
+              <a:t>Manage users (Create, Read, Update, Delete)</a:t>
+            </a:r>
+          </a:p>
+          <a:p>
+            <a:pPr lvl="1"/>
+            <a:r>
+              <a:t>View event details with attendee list</a:t>
+            </a:r>
+          </a:p>
+          <a:p>
+            <a:pPr lvl="1"/>
+            <a:r>
+              <a:t>Edit and delete events</a:t>
             </a:r>
           </a:p>
         </p:txBody>
@@ -3985,7 +3996,7 @@
           <a:lstStyle/>
           <a:p>
             <a:r>
-              <a:t>Complete Technology Stack</a:t>
+              <a:t>Technical Highlights</a:t>
             </a:r>
           </a:p>
         </p:txBody>
@@ -4004,53 +4015,57 @@
         <p:txBody>
           <a:bodyPr/>
           <a:lstStyle/>
-          <a:p/>
-          <a:p>
-            <a:pPr/>
-            <a:r>
-              <a:t>Backend: ASP.NET Core 9.0 with Razor Pages</a:t>
-            </a:r>
-          </a:p>
-          <a:p>
-            <a:pPr/>
-            <a:r>
-              <a:t>Language: C# 12</a:t>
-            </a:r>
-          </a:p>
-          <a:p>
-            <a:pPr/>
-            <a:r>
-              <a:t>Database: SQLite</a:t>
-            </a:r>
-          </a:p>
-          <a:p>
-            <a:pPr/>
-            <a:r>
-              <a:t>ORM: Entity Framework Core 9.0</a:t>
-            </a:r>
-          </a:p>
-          <a:p>
-            <a:pPr/>
-            <a:r>
-              <a:t>Frontend: HTML5, CSS3, JavaScript</a:t>
-            </a:r>
-          </a:p>
-          <a:p>
-            <a:pPr/>
-            <a:r>
-              <a:t>UI Framework: Bootstrap 5</a:t>
-            </a:r>
-          </a:p>
-          <a:p>
-            <a:pPr/>
-            <a:r>
-              <a:t>Tools: Visual Studio / VS Code, dotnet CLI</a:t>
-            </a:r>
-          </a:p>
-          <a:p>
-            <a:pPr/>
-            <a:r>
-              <a:t>Version Control: Git</a:t>
+          <a:p>
+            <a:r>
+              <a:t>Notable Implementation Details:</a:t>
+            </a:r>
+          </a:p>
+          <a:p>
+            <a:pPr lvl="1"/>
+            <a:r>
+              <a:t>Entity Framework Core with SQLite for lightweight data storage</a:t>
+            </a:r>
+          </a:p>
+          <a:p>
+            <a:pPr lvl="1"/>
+            <a:r>
+              <a:t>Razor Pages architecture for cleaner separation of concerns</a:t>
+            </a:r>
+          </a:p>
+          <a:p>
+            <a:pPr lvl="1"/>
+            <a:r>
+              <a:t>Client-side JavaScript for interactive calendar cells</a:t>
+            </a:r>
+          </a:p>
+          <a:p>
+            <a:pPr lvl="1"/>
+            <a:r>
+              <a:t>event.stopPropagation() to prevent conflicting click handlers</a:t>
+            </a:r>
+          </a:p>
+          <a:p>
+            <a:pPr lvl="1"/>
+            <a:r>
+              <a:t>Bootstrap utility classes for responsive layout</a:t>
+            </a:r>
+          </a:p>
+          <a:p>
+            <a:pPr lvl="1"/>
+            <a:r>
+              <a:t>Custom CSS for calendar-specific styling and hover effects</a:t>
+            </a:r>
+          </a:p>
+          <a:p>
+            <a:pPr lvl="1"/>
+            <a:r>
+              <a:t>ViewModels for complex data binding scenarios</a:t>
+            </a:r>
+          </a:p>
+          <a:p>
+            <a:pPr lvl="1"/>
+            <a:r>
+              <a:t>Route parameters for deep linking to specific dates</a:t>
             </a:r>
           </a:p>
         </p:txBody>
@@ -4089,7 +4104,7 @@
           <a:lstStyle/>
           <a:p>
             <a:r>
-              <a:t>Summary</a:t>
+              <a:t>Iteration 10: Service Layer Refactoring</a:t>
             </a:r>
           </a:p>
         </p:txBody>
@@ -4110,31 +4125,61 @@
           <a:lstStyle/>
           <a:p>
             <a:r>
-              <a:t>Project Evolution:</a:t>
-            </a:r>
-          </a:p>
-          <a:p>
-            <a:pPr lvl="1"/>
-            <a:r>
-              <a:t>From initial concept to fully functional application through 8 iterations</a:t>
-            </a:r>
-          </a:p>
-          <a:p>
-            <a:pPr lvl="1"/>
-            <a:r>
-              <a:t>Each user request refined and enhanced the application</a:t>
-            </a:r>
-          </a:p>
-          <a:p>
-            <a:pPr lvl="1"/>
-            <a:r>
-              <a:t>Demonstrates the power of iterative, AI-assisted development</a:t>
-            </a:r>
-          </a:p>
-          <a:p>
-            <a:pPr lvl="1"/>
-            <a:r>
-              <a:t>Final result: A professional calendar management system ready for deployment</a:t>
+              <a:t>User Request:</a:t>
+            </a:r>
+          </a:p>
+          <a:p>
+            <a:pPr lvl="1"/>
+            <a:r>
+              <a:t>"Extract all logic from this application's controllers into a service layer"</a:t>
+            </a:r>
+          </a:p>
+          <a:p>
+            <a:pPr/>
+            <a:r>
+              <a:t>Implementation:</a:t>
+            </a:r>
+          </a:p>
+          <a:p>
+            <a:pPr lvl="1"/>
+            <a:r>
+              <a:t>Created ICalendarEventService and CalendarEventService (10 methods, ~290 lines)</a:t>
+            </a:r>
+          </a:p>
+          <a:p>
+            <a:pPr lvl="1"/>
+            <a:r>
+              <a:t>Created IUserService and UserService (7 methods, ~95 lines)</a:t>
+            </a:r>
+          </a:p>
+          <a:p>
+            <a:pPr lvl="1"/>
+            <a:r>
+              <a:t>Registered services with dependency injection in Program.cs</a:t>
+            </a:r>
+          </a:p>
+          <a:p>
+            <a:pPr lvl="1"/>
+            <a:r>
+              <a:t>Refactored all 10 PageModels to use service layer</a:t>
+            </a:r>
+          </a:p>
+          <a:p>
+            <a:pPr lvl="1"/>
+            <a:r>
+              <a:t>Reduced PageModel code by ~70% on average</a:t>
+            </a:r>
+          </a:p>
+          <a:p>
+            <a:pPr lvl="1"/>
+            <a:r>
+              <a:t>Separated business logic from HTTP handling</a:t>
+            </a:r>
+          </a:p>
+          <a:p>
+            <a:pPr lvl="1"/>
+            <a:r>
+              <a:t>Improved testability, reusability, and maintainability</a:t>
             </a:r>
           </a:p>
         </p:txBody>
@@ -4201,6 +4246,434 @@
             <a:pPr lvl="1"/>
             <a:r>
               <a:t>"Create an ASP.NET Core application using C# to manage calendars. This application should have a calendar view by month, week and day, should be able to manage users and create calendar invites for one or more users."</a:t>
+            </a:r>
+          </a:p>
+        </p:txBody>
+      </p:sp>
+    </p:spTree>
+  </p:cSld>
+  <p:clrMapOvr>
+    <a:masterClrMapping/>
+  </p:clrMapOvr>
+</p:sld>
+</file>
+
+<file path=ppt/slides/slide20.xml><?xml version="1.0" encoding="utf-8"?>
+<p:sld xmlns:a="http://schemas.openxmlformats.org/drawingml/2006/main" xmlns:p="http://schemas.openxmlformats.org/presentationml/2006/main" xmlns:r="http://schemas.openxmlformats.org/officeDocument/2006/relationships">
+  <p:cSld>
+    <p:spTree>
+      <p:nvGrpSpPr>
+        <p:cNvPr id="1" name=""/>
+        <p:cNvGrpSpPr/>
+        <p:nvPr/>
+      </p:nvGrpSpPr>
+      <p:grpSpPr/>
+      <p:sp>
+        <p:nvSpPr>
+          <p:cNvPr id="2" name="Title 1"/>
+          <p:cNvSpPr>
+            <a:spLocks noGrp="1"/>
+          </p:cNvSpPr>
+          <p:nvPr>
+            <p:ph type="title"/>
+          </p:nvPr>
+        </p:nvSpPr>
+        <p:spPr/>
+        <p:txBody>
+          <a:bodyPr/>
+          <a:lstStyle/>
+          <a:p>
+            <a:r>
+              <a:t>Service Layer Architecture Benefits</a:t>
+            </a:r>
+          </a:p>
+        </p:txBody>
+      </p:sp>
+      <p:sp>
+        <p:nvSpPr>
+          <p:cNvPr id="3" name="Content Placeholder 2"/>
+          <p:cNvSpPr>
+            <a:spLocks noGrp="1"/>
+          </p:cNvSpPr>
+          <p:nvPr>
+            <p:ph idx="1"/>
+          </p:nvPr>
+        </p:nvSpPr>
+        <p:spPr/>
+        <p:txBody>
+          <a:bodyPr/>
+          <a:lstStyle/>
+          <a:p>
+            <a:r>
+              <a:t>Why Service Layer Matters:</a:t>
+            </a:r>
+          </a:p>
+          <a:p>
+            <a:pPr lvl="1"/>
+            <a:r>
+              <a:t>Separation of Concerns: PageModels handle HTTP, services handle business logic</a:t>
+            </a:r>
+          </a:p>
+          <a:p>
+            <a:pPr lvl="1"/>
+            <a:r>
+              <a:t>Testability: Services can be unit tested independently with mocked data</a:t>
+            </a:r>
+          </a:p>
+          <a:p>
+            <a:pPr lvl="1"/>
+            <a:r>
+              <a:t>Reusability: Same services can power future API controllers</a:t>
+            </a:r>
+          </a:p>
+          <a:p>
+            <a:pPr lvl="1"/>
+            <a:r>
+              <a:t>Maintainability: Business logic changes in one place, not scattered across pages</a:t>
+            </a:r>
+          </a:p>
+          <a:p>
+            <a:pPr lvl="1"/>
+            <a:r>
+              <a:t>Scalability: Easy to add caching, logging, and other cross-cutting concerns</a:t>
+            </a:r>
+          </a:p>
+          <a:p>
+            <a:pPr lvl="1"/>
+            <a:r>
+              <a:t>Code Reduction: Calendar pages went from 60-70 lines to ~20 lines</a:t>
+            </a:r>
+          </a:p>
+          <a:p>
+            <a:pPr lvl="1"/>
+            <a:r>
+              <a:t>SOLID Principles: Follows Single Responsibility and Dependency Inversion</a:t>
+            </a:r>
+          </a:p>
+        </p:txBody>
+      </p:sp>
+    </p:spTree>
+  </p:cSld>
+  <p:clrMapOvr>
+    <a:masterClrMapping/>
+  </p:clrMapOvr>
+</p:sld>
+</file>
+
+<file path=ppt/slides/slide21.xml><?xml version="1.0" encoding="utf-8"?>
+<p:sld xmlns:a="http://schemas.openxmlformats.org/drawingml/2006/main" xmlns:p="http://schemas.openxmlformats.org/presentationml/2006/main" xmlns:r="http://schemas.openxmlformats.org/officeDocument/2006/relationships">
+  <p:cSld>
+    <p:spTree>
+      <p:nvGrpSpPr>
+        <p:cNvPr id="1" name=""/>
+        <p:cNvGrpSpPr/>
+        <p:nvPr/>
+      </p:nvGrpSpPr>
+      <p:grpSpPr/>
+      <p:sp>
+        <p:nvSpPr>
+          <p:cNvPr id="2" name="Title 1"/>
+          <p:cNvSpPr>
+            <a:spLocks noGrp="1"/>
+          </p:cNvSpPr>
+          <p:nvPr>
+            <p:ph type="title"/>
+          </p:nvPr>
+        </p:nvSpPr>
+        <p:spPr/>
+        <p:txBody>
+          <a:bodyPr/>
+          <a:lstStyle/>
+          <a:p>
+            <a:r>
+              <a:t>Development Insights</a:t>
+            </a:r>
+          </a:p>
+        </p:txBody>
+      </p:sp>
+      <p:sp>
+        <p:nvSpPr>
+          <p:cNvPr id="3" name="Content Placeholder 2"/>
+          <p:cNvSpPr>
+            <a:spLocks noGrp="1"/>
+          </p:cNvSpPr>
+          <p:nvPr>
+            <p:ph idx="1"/>
+          </p:nvPr>
+        </p:nvSpPr>
+        <p:spPr/>
+        <p:txBody>
+          <a:bodyPr/>
+          <a:lstStyle/>
+          <a:p>
+            <a:r>
+              <a:t>Key Takeaways:</a:t>
+            </a:r>
+          </a:p>
+          <a:p>
+            <a:pPr lvl="1"/>
+            <a:r>
+              <a:t>Iterative development allows for rapid evolution</a:t>
+            </a:r>
+          </a:p>
+          <a:p>
+            <a:pPr lvl="1"/>
+            <a:r>
+              <a:t>User feedback drives feature refinement</a:t>
+            </a:r>
+          </a:p>
+          <a:p>
+            <a:pPr lvl="1"/>
+            <a:r>
+              <a:t>Architecture changes (MVC → Razor Pages → API/Frontend → Service Layer) are transformative</a:t>
+            </a:r>
+          </a:p>
+          <a:p>
+            <a:pPr lvl="1"/>
+            <a:r>
+              <a:t>Small UX improvements (clickable areas, icons) have big impact</a:t>
+            </a:r>
+          </a:p>
+          <a:p>
+            <a:pPr lvl="1"/>
+            <a:r>
+              <a:t>Starting with empty database is better for production readiness</a:t>
+            </a:r>
+          </a:p>
+          <a:p>
+            <a:pPr lvl="1"/>
+            <a:r>
+              <a:t>Interactive elements require careful event handling</a:t>
+            </a:r>
+          </a:p>
+          <a:p>
+            <a:pPr lvl="1"/>
+            <a:r>
+              <a:t>Visual cues (arrows, hover effects) improve usability</a:t>
+            </a:r>
+          </a:p>
+          <a:p>
+            <a:pPr lvl="1"/>
+            <a:r>
+              <a:t>Git branching enables safe experimentation with UI changes</a:t>
+            </a:r>
+          </a:p>
+          <a:p>
+            <a:pPr lvl="1"/>
+            <a:r>
+              <a:t>Separating frontend and backend enables scalability and maintainability</a:t>
+            </a:r>
+          </a:p>
+          <a:p>
+            <a:pPr lvl="1"/>
+            <a:r>
+              <a:t>Service layer refactoring dramatically improves code quality and maintainability</a:t>
+            </a:r>
+          </a:p>
+        </p:txBody>
+      </p:sp>
+    </p:spTree>
+  </p:cSld>
+  <p:clrMapOvr>
+    <a:masterClrMapping/>
+  </p:clrMapOvr>
+</p:sld>
+</file>
+
+<file path=ppt/slides/slide22.xml><?xml version="1.0" encoding="utf-8"?>
+<p:sld xmlns:a="http://schemas.openxmlformats.org/drawingml/2006/main" xmlns:p="http://schemas.openxmlformats.org/presentationml/2006/main" xmlns:r="http://schemas.openxmlformats.org/officeDocument/2006/relationships">
+  <p:cSld>
+    <p:spTree>
+      <p:nvGrpSpPr>
+        <p:cNvPr id="1" name=""/>
+        <p:cNvGrpSpPr/>
+        <p:nvPr/>
+      </p:nvGrpSpPr>
+      <p:grpSpPr/>
+      <p:sp>
+        <p:nvSpPr>
+          <p:cNvPr id="2" name="Title 1"/>
+          <p:cNvSpPr>
+            <a:spLocks noGrp="1"/>
+          </p:cNvSpPr>
+          <p:nvPr>
+            <p:ph type="title"/>
+          </p:nvPr>
+        </p:nvSpPr>
+        <p:spPr/>
+        <p:txBody>
+          <a:bodyPr/>
+          <a:lstStyle/>
+          <a:p>
+            <a:r>
+              <a:t>Complete Technology Stack</a:t>
+            </a:r>
+          </a:p>
+        </p:txBody>
+      </p:sp>
+      <p:sp>
+        <p:nvSpPr>
+          <p:cNvPr id="3" name="Content Placeholder 2"/>
+          <p:cNvSpPr>
+            <a:spLocks noGrp="1"/>
+          </p:cNvSpPr>
+          <p:nvPr>
+            <p:ph idx="1"/>
+          </p:nvPr>
+        </p:nvSpPr>
+        <p:spPr/>
+        <p:txBody>
+          <a:bodyPr/>
+          <a:lstStyle/>
+          <a:p/>
+          <a:p>
+            <a:pPr/>
+            <a:r>
+              <a:t>Architecture: Service Layer Pattern with dependency injection</a:t>
+            </a:r>
+          </a:p>
+          <a:p>
+            <a:pPr/>
+            <a:r>
+              <a:t>Backend API: ASP.NET Core 9.0 with Controllers</a:t>
+            </a:r>
+          </a:p>
+          <a:p>
+            <a:pPr/>
+            <a:r>
+              <a:t>Frontend: ASP.NET Core 9.0 with Razor Pages</a:t>
+            </a:r>
+          </a:p>
+          <a:p>
+            <a:pPr/>
+            <a:r>
+              <a:t>Language: C# 12</a:t>
+            </a:r>
+          </a:p>
+          <a:p>
+            <a:pPr/>
+            <a:r>
+              <a:t>Database: SQLite</a:t>
+            </a:r>
+          </a:p>
+          <a:p>
+            <a:pPr/>
+            <a:r>
+              <a:t>ORM: Entity Framework Core 9.0</a:t>
+            </a:r>
+          </a:p>
+          <a:p>
+            <a:pPr/>
+            <a:r>
+              <a:t>API Documentation: Swagger/OpenAPI</a:t>
+            </a:r>
+          </a:p>
+          <a:p>
+            <a:pPr/>
+            <a:r>
+              <a:t>Communication: HttpClient, RESTful APIs</a:t>
+            </a:r>
+          </a:p>
+          <a:p>
+            <a:pPr/>
+            <a:r>
+              <a:t>UI Framework: Bootstrap 5</a:t>
+            </a:r>
+          </a:p>
+          <a:p>
+            <a:pPr/>
+            <a:r>
+              <a:t>Tools: Visual Studio / VS Code, dotnet CLI</a:t>
+            </a:r>
+          </a:p>
+          <a:p>
+            <a:pPr/>
+            <a:r>
+              <a:t>Version Control: Git</a:t>
+            </a:r>
+          </a:p>
+        </p:txBody>
+      </p:sp>
+    </p:spTree>
+  </p:cSld>
+  <p:clrMapOvr>
+    <a:masterClrMapping/>
+  </p:clrMapOvr>
+</p:sld>
+</file>
+
+<file path=ppt/slides/slide23.xml><?xml version="1.0" encoding="utf-8"?>
+<p:sld xmlns:a="http://schemas.openxmlformats.org/drawingml/2006/main" xmlns:p="http://schemas.openxmlformats.org/presentationml/2006/main" xmlns:r="http://schemas.openxmlformats.org/officeDocument/2006/relationships">
+  <p:cSld>
+    <p:spTree>
+      <p:nvGrpSpPr>
+        <p:cNvPr id="1" name=""/>
+        <p:cNvGrpSpPr/>
+        <p:nvPr/>
+      </p:nvGrpSpPr>
+      <p:grpSpPr/>
+      <p:sp>
+        <p:nvSpPr>
+          <p:cNvPr id="2" name="Title 1"/>
+          <p:cNvSpPr>
+            <a:spLocks noGrp="1"/>
+          </p:cNvSpPr>
+          <p:nvPr>
+            <p:ph type="title"/>
+          </p:nvPr>
+        </p:nvSpPr>
+        <p:spPr/>
+        <p:txBody>
+          <a:bodyPr/>
+          <a:lstStyle/>
+          <a:p>
+            <a:r>
+              <a:t>Summary</a:t>
+            </a:r>
+          </a:p>
+        </p:txBody>
+      </p:sp>
+      <p:sp>
+        <p:nvSpPr>
+          <p:cNvPr id="3" name="Content Placeholder 2"/>
+          <p:cNvSpPr>
+            <a:spLocks noGrp="1"/>
+          </p:cNvSpPr>
+          <p:nvPr>
+            <p:ph idx="1"/>
+          </p:nvPr>
+        </p:nvSpPr>
+        <p:spPr/>
+        <p:txBody>
+          <a:bodyPr/>
+          <a:lstStyle/>
+          <a:p>
+            <a:r>
+              <a:t>Project Evolution:</a:t>
+            </a:r>
+          </a:p>
+          <a:p>
+            <a:pPr lvl="1"/>
+            <a:r>
+              <a:t>From initial concept to fully functional application through 10 iterations</a:t>
+            </a:r>
+          </a:p>
+          <a:p>
+            <a:pPr lvl="1"/>
+            <a:r>
+              <a:t>Each user request refined and enhanced the application</a:t>
+            </a:r>
+          </a:p>
+          <a:p>
+            <a:pPr lvl="1"/>
+            <a:r>
+              <a:t>Demonstrates the power of iterative, AI-assisted development</a:t>
+            </a:r>
+          </a:p>
+          <a:p>
+            <a:pPr lvl="1"/>
+            <a:r>
+              <a:t>Final result: A professional, well-architected calendar management system with clean separation of concerns, ready for testing and deployment</a:t>
             </a:r>
           </a:p>
         </p:txBody>
